--- a/2022年6月1日～/実装したい処理.pptx
+++ b/2022年6月1日～/実装したい処理.pptx
@@ -243,7 +243,7 @@
           <a:p>
             <a:fld id="{2DF18DBB-C058-43FF-881B-75CFFE7F13B2}" type="datetimeFigureOut">
               <a:rPr kumimoji="1" lang="ja-JP" altLang="en-US" smtClean="0"/>
-              <a:t>2022/6/6</a:t>
+              <a:t>2022/6/15</a:t>
             </a:fld>
             <a:endParaRPr kumimoji="1" lang="ja-JP" altLang="en-US"/>
           </a:p>
@@ -445,7 +445,7 @@
           <a:p>
             <a:fld id="{2DF18DBB-C058-43FF-881B-75CFFE7F13B2}" type="datetimeFigureOut">
               <a:rPr kumimoji="1" lang="ja-JP" altLang="en-US" smtClean="0"/>
-              <a:t>2022/6/6</a:t>
+              <a:t>2022/6/15</a:t>
             </a:fld>
             <a:endParaRPr kumimoji="1" lang="ja-JP" altLang="en-US"/>
           </a:p>
@@ -657,7 +657,7 @@
           <a:p>
             <a:fld id="{2DF18DBB-C058-43FF-881B-75CFFE7F13B2}" type="datetimeFigureOut">
               <a:rPr kumimoji="1" lang="ja-JP" altLang="en-US" smtClean="0"/>
-              <a:t>2022/6/6</a:t>
+              <a:t>2022/6/15</a:t>
             </a:fld>
             <a:endParaRPr kumimoji="1" lang="ja-JP" altLang="en-US"/>
           </a:p>
@@ -859,7 +859,7 @@
           <a:p>
             <a:fld id="{2DF18DBB-C058-43FF-881B-75CFFE7F13B2}" type="datetimeFigureOut">
               <a:rPr kumimoji="1" lang="ja-JP" altLang="en-US" smtClean="0"/>
-              <a:t>2022/6/6</a:t>
+              <a:t>2022/6/15</a:t>
             </a:fld>
             <a:endParaRPr kumimoji="1" lang="ja-JP" altLang="en-US"/>
           </a:p>
@@ -1103,7 +1103,7 @@
           <a:p>
             <a:fld id="{2DF18DBB-C058-43FF-881B-75CFFE7F13B2}" type="datetimeFigureOut">
               <a:rPr kumimoji="1" lang="ja-JP" altLang="en-US" smtClean="0"/>
-              <a:t>2022/6/6</a:t>
+              <a:t>2022/6/15</a:t>
             </a:fld>
             <a:endParaRPr kumimoji="1" lang="ja-JP" altLang="en-US"/>
           </a:p>
@@ -1399,7 +1399,7 @@
           <a:p>
             <a:fld id="{2DF18DBB-C058-43FF-881B-75CFFE7F13B2}" type="datetimeFigureOut">
               <a:rPr kumimoji="1" lang="ja-JP" altLang="en-US" smtClean="0"/>
-              <a:t>2022/6/6</a:t>
+              <a:t>2022/6/15</a:t>
             </a:fld>
             <a:endParaRPr kumimoji="1" lang="ja-JP" altLang="en-US"/>
           </a:p>
@@ -1830,7 +1830,7 @@
           <a:p>
             <a:fld id="{2DF18DBB-C058-43FF-881B-75CFFE7F13B2}" type="datetimeFigureOut">
               <a:rPr kumimoji="1" lang="ja-JP" altLang="en-US" smtClean="0"/>
-              <a:t>2022/6/6</a:t>
+              <a:t>2022/6/15</a:t>
             </a:fld>
             <a:endParaRPr kumimoji="1" lang="ja-JP" altLang="en-US"/>
           </a:p>
@@ -1948,7 +1948,7 @@
           <a:p>
             <a:fld id="{2DF18DBB-C058-43FF-881B-75CFFE7F13B2}" type="datetimeFigureOut">
               <a:rPr kumimoji="1" lang="ja-JP" altLang="en-US" smtClean="0"/>
-              <a:t>2022/6/6</a:t>
+              <a:t>2022/6/15</a:t>
             </a:fld>
             <a:endParaRPr kumimoji="1" lang="ja-JP" altLang="en-US"/>
           </a:p>
@@ -2043,7 +2043,7 @@
           <a:p>
             <a:fld id="{2DF18DBB-C058-43FF-881B-75CFFE7F13B2}" type="datetimeFigureOut">
               <a:rPr kumimoji="1" lang="ja-JP" altLang="en-US" smtClean="0"/>
-              <a:t>2022/6/6</a:t>
+              <a:t>2022/6/15</a:t>
             </a:fld>
             <a:endParaRPr kumimoji="1" lang="ja-JP" altLang="en-US"/>
           </a:p>
@@ -2352,7 +2352,7 @@
           <a:p>
             <a:fld id="{2DF18DBB-C058-43FF-881B-75CFFE7F13B2}" type="datetimeFigureOut">
               <a:rPr kumimoji="1" lang="ja-JP" altLang="en-US" smtClean="0"/>
-              <a:t>2022/6/6</a:t>
+              <a:t>2022/6/15</a:t>
             </a:fld>
             <a:endParaRPr kumimoji="1" lang="ja-JP" altLang="en-US"/>
           </a:p>
@@ -2609,7 +2609,7 @@
           <a:p>
             <a:fld id="{2DF18DBB-C058-43FF-881B-75CFFE7F13B2}" type="datetimeFigureOut">
               <a:rPr kumimoji="1" lang="ja-JP" altLang="en-US" smtClean="0"/>
-              <a:t>2022/6/6</a:t>
+              <a:t>2022/6/15</a:t>
             </a:fld>
             <a:endParaRPr kumimoji="1" lang="ja-JP" altLang="en-US"/>
           </a:p>
@@ -2854,7 +2854,7 @@
           <a:p>
             <a:fld id="{2DF18DBB-C058-43FF-881B-75CFFE7F13B2}" type="datetimeFigureOut">
               <a:rPr kumimoji="1" lang="ja-JP" altLang="en-US" smtClean="0"/>
-              <a:t>2022/6/6</a:t>
+              <a:t>2022/6/15</a:t>
             </a:fld>
             <a:endParaRPr kumimoji="1" lang="ja-JP" altLang="en-US"/>
           </a:p>
@@ -3298,14 +3298,14 @@
           <p:nvPr>
             <p:extLst>
               <p:ext uri="{D42A27DB-BD31-4B8C-83A1-F6EECF244321}">
-                <p14:modId xmlns:p14="http://schemas.microsoft.com/office/powerpoint/2010/main" val="1805768298"/>
+                <p14:modId xmlns:p14="http://schemas.microsoft.com/office/powerpoint/2010/main" val="3375567927"/>
               </p:ext>
             </p:extLst>
           </p:nvPr>
         </p:nvGraphicFramePr>
         <p:xfrm>
           <a:off x="0" y="734568"/>
-          <a:ext cx="6858000" cy="3362960"/>
+          <a:ext cx="6858000" cy="3495040"/>
         </p:xfrm>
         <a:graphic>
           <a:graphicData uri="http://schemas.openxmlformats.org/drawingml/2006/table">
@@ -3363,7 +3363,11 @@
                       <a:endParaRPr kumimoji="1" lang="ja-JP" altLang="en-US" dirty="0"/>
                     </a:p>
                   </a:txBody>
-                  <a:tcPr/>
+                  <a:tcPr>
+                    <a:solidFill>
+                      <a:srgbClr val="00B0F0"/>
+                    </a:solidFill>
+                  </a:tcPr>
                 </a:tc>
                 <a:tc>
                   <a:txBody>
@@ -3417,7 +3421,11 @@
                       <a:endParaRPr kumimoji="1" lang="ja-JP" altLang="en-US" dirty="0"/>
                     </a:p>
                   </a:txBody>
-                  <a:tcPr/>
+                  <a:tcPr>
+                    <a:solidFill>
+                      <a:srgbClr val="00B0F0"/>
+                    </a:solidFill>
+                  </a:tcPr>
                 </a:tc>
                 <a:tc>
                   <a:txBody>
@@ -3452,7 +3460,11 @@
                       <a:endParaRPr kumimoji="1" lang="ja-JP" altLang="en-US" dirty="0"/>
                     </a:p>
                   </a:txBody>
-                  <a:tcPr/>
+                  <a:tcPr>
+                    <a:solidFill>
+                      <a:srgbClr val="00B0F0"/>
+                    </a:solidFill>
+                  </a:tcPr>
                 </a:tc>
                 <a:tc>
                   <a:txBody>
@@ -3466,7 +3478,11 @@
                       <a:endParaRPr kumimoji="1" lang="ja-JP" altLang="en-US" dirty="0"/>
                     </a:p>
                   </a:txBody>
-                  <a:tcPr/>
+                  <a:tcPr>
+                    <a:solidFill>
+                      <a:srgbClr val="00B0F0"/>
+                    </a:solidFill>
+                  </a:tcPr>
                 </a:tc>
                 <a:tc>
                   <a:txBody>
@@ -3480,7 +3496,11 @@
                       <a:endParaRPr kumimoji="1" lang="ja-JP" altLang="en-US" dirty="0"/>
                     </a:p>
                   </a:txBody>
-                  <a:tcPr/>
+                  <a:tcPr>
+                    <a:solidFill>
+                      <a:srgbClr val="00B0F0"/>
+                    </a:solidFill>
+                  </a:tcPr>
                 </a:tc>
                 <a:tc>
                   <a:txBody>
@@ -3494,7 +3514,11 @@
                       <a:endParaRPr kumimoji="1" lang="ja-JP" altLang="en-US" dirty="0"/>
                     </a:p>
                   </a:txBody>
-                  <a:tcPr/>
+                  <a:tcPr>
+                    <a:solidFill>
+                      <a:srgbClr val="00B0F0"/>
+                    </a:solidFill>
+                  </a:tcPr>
                 </a:tc>
                 <a:tc>
                   <a:txBody>
@@ -3508,7 +3532,11 @@
                       <a:endParaRPr kumimoji="1" lang="ja-JP" altLang="en-US" dirty="0"/>
                     </a:p>
                   </a:txBody>
-                  <a:tcPr/>
+                  <a:tcPr>
+                    <a:solidFill>
+                      <a:srgbClr val="00B0F0"/>
+                    </a:solidFill>
+                  </a:tcPr>
                 </a:tc>
                 <a:extLst>
                   <a:ext uri="{0D108BD9-81ED-4DB2-BD59-A6C34878D82A}">
@@ -3557,7 +3585,11 @@
                       <a:endParaRPr kumimoji="1" lang="ja-JP" altLang="en-US" dirty="0"/>
                     </a:p>
                   </a:txBody>
-                  <a:tcPr/>
+                  <a:tcPr>
+                    <a:solidFill>
+                      <a:srgbClr val="00B0F0"/>
+                    </a:solidFill>
+                  </a:tcPr>
                 </a:tc>
                 <a:tc>
                   <a:txBody>
@@ -3683,14 +3715,26 @@
                       <a:endParaRPr kumimoji="1" lang="ja-JP" altLang="en-US" dirty="0"/>
                     </a:p>
                   </a:txBody>
-                  <a:tcPr/>
+                  <a:tcPr>
+                    <a:solidFill>
+                      <a:srgbClr val="00B0F0"/>
+                    </a:solidFill>
+                  </a:tcPr>
                 </a:tc>
                 <a:tc>
                   <a:txBody>
                     <a:bodyPr/>
                     <a:lstStyle/>
                     <a:p>
-                      <a:endParaRPr kumimoji="1" lang="ja-JP" altLang="en-US"/>
+                      <a:r>
+                        <a:rPr kumimoji="1" lang="en-US" altLang="ja-JP" dirty="0" smtClean="0"/>
+                        <a:t>2D</a:t>
+                      </a:r>
+                      <a:r>
+                        <a:rPr kumimoji="1" lang="ja-JP" altLang="en-US" dirty="0" smtClean="0"/>
+                        <a:t>当たり判定</a:t>
+                      </a:r>
+                      <a:endParaRPr kumimoji="1" lang="ja-JP" altLang="en-US" dirty="0"/>
                     </a:p>
                   </a:txBody>
                   <a:tcPr/>
@@ -3700,17 +3744,25 @@
                     <a:bodyPr/>
                     <a:lstStyle/>
                     <a:p>
-                      <a:endParaRPr kumimoji="1" lang="ja-JP" altLang="en-US"/>
+                      <a:r>
+                        <a:rPr kumimoji="1" lang="ja-JP" altLang="en-US" dirty="0" smtClean="0"/>
+                        <a:t>死亡エフェクト</a:t>
+                      </a:r>
+                      <a:endParaRPr kumimoji="1" lang="ja-JP" altLang="en-US" dirty="0"/>
                     </a:p>
                   </a:txBody>
-                  <a:tcPr/>
+                  <a:tcPr>
+                    <a:solidFill>
+                      <a:srgbClr val="00B0F0"/>
+                    </a:solidFill>
+                  </a:tcPr>
                 </a:tc>
                 <a:tc>
                   <a:txBody>
                     <a:bodyPr/>
                     <a:lstStyle/>
                     <a:p>
-                      <a:endParaRPr kumimoji="1" lang="ja-JP" altLang="en-US"/>
+                      <a:endParaRPr kumimoji="1" lang="ja-JP" altLang="en-US" dirty="0"/>
                     </a:p>
                   </a:txBody>
                   <a:tcPr/>
@@ -3881,7 +3933,7 @@
                     <a:bodyPr/>
                     <a:lstStyle/>
                     <a:p>
-                      <a:endParaRPr kumimoji="1" lang="ja-JP" altLang="en-US"/>
+                      <a:endParaRPr kumimoji="1" lang="ja-JP" altLang="en-US" dirty="0"/>
                     </a:p>
                   </a:txBody>
                   <a:tcPr/>
